--- a/Document/yuzhou.pptx
+++ b/Document/yuzhou.pptx
@@ -5,28 +5,30 @@
     <p:sldMasterId id="2147483694" r:id="rId2"/>
   </p:sldMasterIdLst>
   <p:notesMasterIdLst>
-    <p:notesMasterId r:id="rId22"/>
+    <p:notesMasterId r:id="rId24"/>
   </p:notesMasterIdLst>
   <p:sldIdLst>
     <p:sldId id="256" r:id="rId3"/>
     <p:sldId id="277" r:id="rId4"/>
-    <p:sldId id="278" r:id="rId5"/>
-    <p:sldId id="279" r:id="rId6"/>
-    <p:sldId id="280" r:id="rId7"/>
-    <p:sldId id="282" r:id="rId8"/>
-    <p:sldId id="281" r:id="rId9"/>
-    <p:sldId id="284" r:id="rId10"/>
-    <p:sldId id="283" r:id="rId11"/>
-    <p:sldId id="287" r:id="rId12"/>
-    <p:sldId id="288" r:id="rId13"/>
-    <p:sldId id="296" r:id="rId14"/>
-    <p:sldId id="289" r:id="rId15"/>
-    <p:sldId id="290" r:id="rId16"/>
-    <p:sldId id="291" r:id="rId17"/>
-    <p:sldId id="294" r:id="rId18"/>
-    <p:sldId id="295" r:id="rId19"/>
-    <p:sldId id="293" r:id="rId20"/>
-    <p:sldId id="292" r:id="rId21"/>
+    <p:sldId id="297" r:id="rId5"/>
+    <p:sldId id="298" r:id="rId6"/>
+    <p:sldId id="278" r:id="rId7"/>
+    <p:sldId id="279" r:id="rId8"/>
+    <p:sldId id="280" r:id="rId9"/>
+    <p:sldId id="282" r:id="rId10"/>
+    <p:sldId id="281" r:id="rId11"/>
+    <p:sldId id="284" r:id="rId12"/>
+    <p:sldId id="283" r:id="rId13"/>
+    <p:sldId id="287" r:id="rId14"/>
+    <p:sldId id="288" r:id="rId15"/>
+    <p:sldId id="296" r:id="rId16"/>
+    <p:sldId id="289" r:id="rId17"/>
+    <p:sldId id="290" r:id="rId18"/>
+    <p:sldId id="291" r:id="rId19"/>
+    <p:sldId id="294" r:id="rId20"/>
+    <p:sldId id="295" r:id="rId21"/>
+    <p:sldId id="293" r:id="rId22"/>
+    <p:sldId id="292" r:id="rId23"/>
   </p:sldIdLst>
   <p:sldSz cx="9144000" cy="6858000" type="screen4x3"/>
   <p:notesSz cx="6858000" cy="9144000"/>
@@ -4375,6 +4377,188 @@
           <p:cNvPr id="2" name="标题 1">
             <a:extLst>
               <a:ext uri="{FF2B5EF4-FFF2-40B4-BE49-F238E27FC236}">
+                <a16:creationId xmlns:a16="http://schemas.microsoft.com/office/drawing/2014/main" id="{850F8FBA-47D6-404E-BFD3-9185C1C74744}"/>
+              </a:ext>
+            </a:extLst>
+          </p:cNvPr>
+          <p:cNvSpPr>
+            <a:spLocks noGrp="1"/>
+          </p:cNvSpPr>
+          <p:nvPr>
+            <p:ph type="title"/>
+          </p:nvPr>
+        </p:nvSpPr>
+        <p:spPr/>
+        <p:txBody>
+          <a:bodyPr/>
+          <a:lstStyle/>
+          <a:p>
+            <a:r>
+              <a:rPr lang="en-US" altLang="zh-CN" dirty="0"/>
+              <a:t>Recommendation: Observer</a:t>
+            </a:r>
+            <a:endParaRPr lang="zh-CN" altLang="en-US" dirty="0"/>
+          </a:p>
+        </p:txBody>
+      </p:sp>
+      <p:pic>
+        <p:nvPicPr>
+          <p:cNvPr id="4" name="图片 3">
+            <a:extLst>
+              <a:ext uri="{FF2B5EF4-FFF2-40B4-BE49-F238E27FC236}">
+                <a16:creationId xmlns:a16="http://schemas.microsoft.com/office/drawing/2014/main" id="{E2B99705-4F4A-427D-9116-CB6352BDC672}"/>
+              </a:ext>
+            </a:extLst>
+          </p:cNvPr>
+          <p:cNvPicPr>
+            <a:picLocks noChangeAspect="1"/>
+          </p:cNvPicPr>
+          <p:nvPr/>
+        </p:nvPicPr>
+        <p:blipFill>
+          <a:blip r:embed="rId2"/>
+          <a:stretch>
+            <a:fillRect/>
+          </a:stretch>
+        </p:blipFill>
+        <p:spPr>
+          <a:xfrm>
+            <a:off x="1143000" y="2057400"/>
+            <a:ext cx="6120225" cy="3149400"/>
+          </a:xfrm>
+          <a:prstGeom prst="rect">
+            <a:avLst/>
+          </a:prstGeom>
+        </p:spPr>
+      </p:pic>
+    </p:spTree>
+    <p:extLst>
+      <p:ext uri="{BB962C8B-B14F-4D97-AF65-F5344CB8AC3E}">
+        <p14:creationId xmlns:p14="http://schemas.microsoft.com/office/powerpoint/2010/main" val="590984189"/>
+      </p:ext>
+    </p:extLst>
+  </p:cSld>
+  <p:clrMapOvr>
+    <a:masterClrMapping/>
+  </p:clrMapOvr>
+</p:sld>
+</file>
+
+<file path=ppt/slides/slide11.xml><?xml version="1.0" encoding="utf-8"?>
+<p:sld xmlns:a="http://schemas.openxmlformats.org/drawingml/2006/main" xmlns:r="http://schemas.openxmlformats.org/officeDocument/2006/relationships" xmlns:p="http://schemas.openxmlformats.org/presentationml/2006/main">
+  <p:cSld>
+    <p:spTree>
+      <p:nvGrpSpPr>
+        <p:cNvPr id="1" name=""/>
+        <p:cNvGrpSpPr/>
+        <p:nvPr/>
+      </p:nvGrpSpPr>
+      <p:grpSpPr>
+        <a:xfrm>
+          <a:off x="0" y="0"/>
+          <a:ext cx="0" cy="0"/>
+          <a:chOff x="0" y="0"/>
+          <a:chExt cx="0" cy="0"/>
+        </a:xfrm>
+      </p:grpSpPr>
+      <p:sp>
+        <p:nvSpPr>
+          <p:cNvPr id="2" name="标题 1">
+            <a:extLst>
+              <a:ext uri="{FF2B5EF4-FFF2-40B4-BE49-F238E27FC236}">
+                <a16:creationId xmlns:a16="http://schemas.microsoft.com/office/drawing/2014/main" id="{850F8FBA-47D6-404E-BFD3-9185C1C74744}"/>
+              </a:ext>
+            </a:extLst>
+          </p:cNvPr>
+          <p:cNvSpPr>
+            <a:spLocks noGrp="1"/>
+          </p:cNvSpPr>
+          <p:nvPr>
+            <p:ph type="title"/>
+          </p:nvPr>
+        </p:nvSpPr>
+        <p:spPr/>
+        <p:txBody>
+          <a:bodyPr/>
+          <a:lstStyle/>
+          <a:p>
+            <a:r>
+              <a:rPr lang="en-US" altLang="zh-CN" dirty="0"/>
+              <a:t>Recommendation: </a:t>
+            </a:r>
+            <a:r>
+              <a:rPr lang="en-US" altLang="zh-CN" b="1" dirty="0"/>
+              <a:t>Template</a:t>
+            </a:r>
+            <a:endParaRPr lang="zh-CN" altLang="en-US" dirty="0"/>
+          </a:p>
+        </p:txBody>
+      </p:sp>
+      <p:pic>
+        <p:nvPicPr>
+          <p:cNvPr id="5" name="图片 4">
+            <a:extLst>
+              <a:ext uri="{FF2B5EF4-FFF2-40B4-BE49-F238E27FC236}">
+                <a16:creationId xmlns:a16="http://schemas.microsoft.com/office/drawing/2014/main" id="{B7ED893D-F5F2-4047-BB4A-8716F6176777}"/>
+              </a:ext>
+            </a:extLst>
+          </p:cNvPr>
+          <p:cNvPicPr>
+            <a:picLocks noChangeAspect="1"/>
+          </p:cNvPicPr>
+          <p:nvPr/>
+        </p:nvPicPr>
+        <p:blipFill>
+          <a:blip r:embed="rId2"/>
+          <a:stretch>
+            <a:fillRect/>
+          </a:stretch>
+        </p:blipFill>
+        <p:spPr>
+          <a:xfrm>
+            <a:off x="2286000" y="1905000"/>
+            <a:ext cx="4424701" cy="4183934"/>
+          </a:xfrm>
+          <a:prstGeom prst="rect">
+            <a:avLst/>
+          </a:prstGeom>
+        </p:spPr>
+      </p:pic>
+    </p:spTree>
+    <p:extLst>
+      <p:ext uri="{BB962C8B-B14F-4D97-AF65-F5344CB8AC3E}">
+        <p14:creationId xmlns:p14="http://schemas.microsoft.com/office/powerpoint/2010/main" val="480848210"/>
+      </p:ext>
+    </p:extLst>
+  </p:cSld>
+  <p:clrMapOvr>
+    <a:masterClrMapping/>
+  </p:clrMapOvr>
+</p:sld>
+</file>
+
+<file path=ppt/slides/slide12.xml><?xml version="1.0" encoding="utf-8"?>
+<p:sld xmlns:a="http://schemas.openxmlformats.org/drawingml/2006/main" xmlns:r="http://schemas.openxmlformats.org/officeDocument/2006/relationships" xmlns:p="http://schemas.openxmlformats.org/presentationml/2006/main">
+  <p:cSld>
+    <p:spTree>
+      <p:nvGrpSpPr>
+        <p:cNvPr id="1" name=""/>
+        <p:cNvGrpSpPr/>
+        <p:nvPr/>
+      </p:nvGrpSpPr>
+      <p:grpSpPr>
+        <a:xfrm>
+          <a:off x="0" y="0"/>
+          <a:ext cx="0" cy="0"/>
+          <a:chOff x="0" y="0"/>
+          <a:chExt cx="0" cy="0"/>
+        </a:xfrm>
+      </p:grpSpPr>
+      <p:sp>
+        <p:nvSpPr>
+          <p:cNvPr id="2" name="标题 1">
+            <a:extLst>
+              <a:ext uri="{FF2B5EF4-FFF2-40B4-BE49-F238E27FC236}">
                 <a16:creationId xmlns:a16="http://schemas.microsoft.com/office/drawing/2014/main" id="{4C7DEE14-52D8-4F54-8297-FAE45FC0DB4F}"/>
               </a:ext>
             </a:extLst>
@@ -4434,12 +4618,12 @@
             </a:r>
             <a:r>
               <a:rPr lang="en-US" altLang="zh-CN" dirty="0" err="1"/>
-              <a:t>ProducerCosumer</a:t>
+              <a:t>ProducerConsumer</a:t>
             </a:r>
             <a:endParaRPr lang="en-US" altLang="zh-CN" dirty="0"/>
           </a:p>
           <a:p>
-            <a:endParaRPr lang="zh-CN" altLang="en-US" dirty="0"/>
+            <a:endParaRPr lang="zh-CN" altLang="en-US" b="1" dirty="0"/>
           </a:p>
         </p:txBody>
       </p:sp>
@@ -4486,7 +4670,7 @@
 </p:sld>
 </file>
 
-<file path=ppt/slides/slide11.xml><?xml version="1.0" encoding="utf-8"?>
+<file path=ppt/slides/slide13.xml><?xml version="1.0" encoding="utf-8"?>
 <p:sld xmlns:a="http://schemas.openxmlformats.org/drawingml/2006/main" xmlns:r="http://schemas.openxmlformats.org/officeDocument/2006/relationships" xmlns:p="http://schemas.openxmlformats.org/presentationml/2006/main">
   <p:cSld>
     <p:spTree>
@@ -4579,7 +4763,7 @@
 </p:sld>
 </file>
 
-<file path=ppt/slides/slide12.xml><?xml version="1.0" encoding="utf-8"?>
+<file path=ppt/slides/slide14.xml><?xml version="1.0" encoding="utf-8"?>
 <p:sld xmlns:a="http://schemas.openxmlformats.org/drawingml/2006/main" xmlns:r="http://schemas.openxmlformats.org/officeDocument/2006/relationships" xmlns:p="http://schemas.openxmlformats.org/presentationml/2006/main">
   <p:cSld>
     <p:spTree>
@@ -4676,7 +4860,7 @@
 </p:sld>
 </file>
 
-<file path=ppt/slides/slide13.xml><?xml version="1.0" encoding="utf-8"?>
+<file path=ppt/slides/slide15.xml><?xml version="1.0" encoding="utf-8"?>
 <p:sld xmlns:a="http://schemas.openxmlformats.org/drawingml/2006/main" xmlns:r="http://schemas.openxmlformats.org/officeDocument/2006/relationships" xmlns:p="http://schemas.openxmlformats.org/presentationml/2006/main">
   <p:cSld>
     <p:spTree>
@@ -4777,7 +4961,7 @@
 </p:sld>
 </file>
 
-<file path=ppt/slides/slide14.xml><?xml version="1.0" encoding="utf-8"?>
+<file path=ppt/slides/slide16.xml><?xml version="1.0" encoding="utf-8"?>
 <p:sld xmlns:a="http://schemas.openxmlformats.org/drawingml/2006/main" xmlns:r="http://schemas.openxmlformats.org/officeDocument/2006/relationships" xmlns:p="http://schemas.openxmlformats.org/presentationml/2006/main">
   <p:cSld>
     <p:spTree>
@@ -4878,7 +5062,7 @@
 </p:sld>
 </file>
 
-<file path=ppt/slides/slide15.xml><?xml version="1.0" encoding="utf-8"?>
+<file path=ppt/slides/slide17.xml><?xml version="1.0" encoding="utf-8"?>
 <p:sld xmlns:a="http://schemas.openxmlformats.org/drawingml/2006/main" xmlns:r="http://schemas.openxmlformats.org/officeDocument/2006/relationships" xmlns:p="http://schemas.openxmlformats.org/presentationml/2006/main">
   <p:cSld>
     <p:spTree>
@@ -4971,7 +5155,7 @@
 </p:sld>
 </file>
 
-<file path=ppt/slides/slide16.xml><?xml version="1.0" encoding="utf-8"?>
+<file path=ppt/slides/slide18.xml><?xml version="1.0" encoding="utf-8"?>
 <p:sld xmlns:a="http://schemas.openxmlformats.org/drawingml/2006/main" xmlns:r="http://schemas.openxmlformats.org/officeDocument/2006/relationships" xmlns:p="http://schemas.openxmlformats.org/presentationml/2006/main">
   <p:cSld>
     <p:spTree>
@@ -6588,7 +6772,7 @@
 </p:sld>
 </file>
 
-<file path=ppt/slides/slide17.xml><?xml version="1.0" encoding="utf-8"?>
+<file path=ppt/slides/slide19.xml><?xml version="1.0" encoding="utf-8"?>
 <p:sld xmlns:a="http://schemas.openxmlformats.org/drawingml/2006/main" xmlns:r="http://schemas.openxmlformats.org/officeDocument/2006/relationships" xmlns:p="http://schemas.openxmlformats.org/presentationml/2006/main">
   <p:cSld>
     <p:spTree>
@@ -7739,282 +7923,6 @@
 </p:sld>
 </file>
 
-<file path=ppt/slides/slide18.xml><?xml version="1.0" encoding="utf-8"?>
-<p:sld xmlns:a="http://schemas.openxmlformats.org/drawingml/2006/main" xmlns:r="http://schemas.openxmlformats.org/officeDocument/2006/relationships" xmlns:p="http://schemas.openxmlformats.org/presentationml/2006/main">
-  <p:cSld>
-    <p:spTree>
-      <p:nvGrpSpPr>
-        <p:cNvPr id="1" name=""/>
-        <p:cNvGrpSpPr/>
-        <p:nvPr/>
-      </p:nvGrpSpPr>
-      <p:grpSpPr>
-        <a:xfrm>
-          <a:off x="0" y="0"/>
-          <a:ext cx="0" cy="0"/>
-          <a:chOff x="0" y="0"/>
-          <a:chExt cx="0" cy="0"/>
-        </a:xfrm>
-      </p:grpSpPr>
-      <p:sp>
-        <p:nvSpPr>
-          <p:cNvPr id="2" name="标题 1">
-            <a:extLst>
-              <a:ext uri="{FF2B5EF4-FFF2-40B4-BE49-F238E27FC236}">
-                <a16:creationId xmlns:a16="http://schemas.microsoft.com/office/drawing/2014/main" id="{304927C9-533B-45CB-BB54-0ACE7CF4AD79}"/>
-              </a:ext>
-            </a:extLst>
-          </p:cNvPr>
-          <p:cNvSpPr>
-            <a:spLocks noGrp="1"/>
-          </p:cNvSpPr>
-          <p:nvPr>
-            <p:ph type="title"/>
-          </p:nvPr>
-        </p:nvSpPr>
-        <p:spPr/>
-        <p:txBody>
-          <a:bodyPr/>
-          <a:lstStyle/>
-          <a:p>
-            <a:r>
-              <a:rPr lang="en-US" altLang="zh-CN" dirty="0"/>
-              <a:t>Work Conclusion</a:t>
-            </a:r>
-            <a:endParaRPr lang="zh-CN" altLang="en-US" dirty="0"/>
-          </a:p>
-        </p:txBody>
-      </p:sp>
-      <p:sp>
-        <p:nvSpPr>
-          <p:cNvPr id="3" name="内容占位符 2">
-            <a:extLst>
-              <a:ext uri="{FF2B5EF4-FFF2-40B4-BE49-F238E27FC236}">
-                <a16:creationId xmlns:a16="http://schemas.microsoft.com/office/drawing/2014/main" id="{431521B0-1E15-4058-8F96-C256F204B129}"/>
-              </a:ext>
-            </a:extLst>
-          </p:cNvPr>
-          <p:cNvSpPr>
-            <a:spLocks noGrp="1"/>
-          </p:cNvSpPr>
-          <p:nvPr>
-            <p:ph sz="quarter" idx="1"/>
-          </p:nvPr>
-        </p:nvSpPr>
-        <p:spPr>
-          <a:xfrm>
-            <a:off x="612648" y="1600200"/>
-            <a:ext cx="8153400" cy="5029200"/>
-          </a:xfrm>
-        </p:spPr>
-        <p:txBody>
-          <a:bodyPr>
-            <a:normAutofit lnSpcReduction="10000"/>
-          </a:bodyPr>
-          <a:lstStyle/>
-          <a:p>
-            <a:r>
-              <a:rPr lang="en-US" altLang="zh-CN" dirty="0"/>
-              <a:t>Implemented </a:t>
-            </a:r>
-          </a:p>
-          <a:p>
-            <a:pPr marL="0" indent="0">
-              <a:buNone/>
-            </a:pPr>
-            <a:r>
-              <a:rPr lang="en-US" altLang="zh-CN" dirty="0"/>
-              <a:t> </a:t>
-            </a:r>
-            <a:r>
-              <a:rPr lang="en-US" altLang="zh-CN" dirty="0" err="1"/>
-              <a:t>DataAccess</a:t>
-            </a:r>
-            <a:r>
-              <a:rPr lang="en-US" altLang="zh-CN" dirty="0"/>
-              <a:t>:  </a:t>
-            </a:r>
-          </a:p>
-          <a:p>
-            <a:pPr marL="0" indent="0">
-              <a:buNone/>
-            </a:pPr>
-            <a:r>
-              <a:rPr lang="en-US" altLang="zh-CN" dirty="0"/>
-              <a:t>          Connection Pool</a:t>
-            </a:r>
-          </a:p>
-          <a:p>
-            <a:pPr marL="0" indent="0">
-              <a:buNone/>
-            </a:pPr>
-            <a:r>
-              <a:rPr lang="en-US" altLang="zh-CN" dirty="0"/>
-              <a:t>          </a:t>
-            </a:r>
-            <a:r>
-              <a:rPr lang="en-US" altLang="zh-CN" dirty="0" err="1"/>
-              <a:t>FacadeJDBC</a:t>
-            </a:r>
-            <a:r>
-              <a:rPr lang="en-US" altLang="zh-CN" dirty="0"/>
-              <a:t> Access</a:t>
-            </a:r>
-          </a:p>
-          <a:p>
-            <a:pPr marL="0" indent="0">
-              <a:buNone/>
-            </a:pPr>
-            <a:r>
-              <a:rPr lang="en-US" altLang="zh-CN" dirty="0"/>
-              <a:t> Recommendation: </a:t>
-            </a:r>
-          </a:p>
-          <a:p>
-            <a:pPr marL="0" indent="0">
-              <a:buNone/>
-            </a:pPr>
-            <a:r>
-              <a:rPr lang="en-US" altLang="zh-CN" dirty="0"/>
-              <a:t>      A simple framework</a:t>
-            </a:r>
-          </a:p>
-          <a:p>
-            <a:pPr marL="0" indent="0">
-              <a:buNone/>
-            </a:pPr>
-            <a:r>
-              <a:rPr lang="en-US" altLang="zh-CN" dirty="0"/>
-              <a:t>      Two algorithms for recommendations </a:t>
-            </a:r>
-          </a:p>
-          <a:p>
-            <a:endParaRPr lang="en-US" altLang="zh-CN" dirty="0"/>
-          </a:p>
-          <a:p>
-            <a:r>
-              <a:rPr lang="en-US" altLang="zh-CN" dirty="0"/>
-              <a:t>Not done: Run out of time to final integrate into the application</a:t>
-            </a:r>
-            <a:endParaRPr lang="zh-CN" altLang="en-US" dirty="0"/>
-          </a:p>
-        </p:txBody>
-      </p:sp>
-    </p:spTree>
-    <p:extLst>
-      <p:ext uri="{BB962C8B-B14F-4D97-AF65-F5344CB8AC3E}">
-        <p14:creationId xmlns:p14="http://schemas.microsoft.com/office/powerpoint/2010/main" val="252893555"/>
-      </p:ext>
-    </p:extLst>
-  </p:cSld>
-  <p:clrMapOvr>
-    <a:masterClrMapping/>
-  </p:clrMapOvr>
-</p:sld>
-</file>
-
-<file path=ppt/slides/slide19.xml><?xml version="1.0" encoding="utf-8"?>
-<p:sld xmlns:a="http://schemas.openxmlformats.org/drawingml/2006/main" xmlns:r="http://schemas.openxmlformats.org/officeDocument/2006/relationships" xmlns:p="http://schemas.openxmlformats.org/presentationml/2006/main">
-  <p:cSld>
-    <p:spTree>
-      <p:nvGrpSpPr>
-        <p:cNvPr id="1" name=""/>
-        <p:cNvGrpSpPr/>
-        <p:nvPr/>
-      </p:nvGrpSpPr>
-      <p:grpSpPr>
-        <a:xfrm>
-          <a:off x="0" y="0"/>
-          <a:ext cx="0" cy="0"/>
-          <a:chOff x="0" y="0"/>
-          <a:chExt cx="0" cy="0"/>
-        </a:xfrm>
-      </p:grpSpPr>
-      <p:sp>
-        <p:nvSpPr>
-          <p:cNvPr id="2" name="标题 1">
-            <a:extLst>
-              <a:ext uri="{FF2B5EF4-FFF2-40B4-BE49-F238E27FC236}">
-                <a16:creationId xmlns:a16="http://schemas.microsoft.com/office/drawing/2014/main" id="{0A3F842F-C27B-4BA7-9B9C-E19FEA35A5D1}"/>
-              </a:ext>
-            </a:extLst>
-          </p:cNvPr>
-          <p:cNvSpPr>
-            <a:spLocks noGrp="1"/>
-          </p:cNvSpPr>
-          <p:nvPr>
-            <p:ph type="title"/>
-          </p:nvPr>
-        </p:nvSpPr>
-        <p:spPr/>
-        <p:txBody>
-          <a:bodyPr/>
-          <a:lstStyle/>
-          <a:p>
-            <a:r>
-              <a:rPr lang="en-US" altLang="zh-CN" dirty="0"/>
-              <a:t>Experience and Lessons</a:t>
-            </a:r>
-            <a:endParaRPr lang="zh-CN" altLang="en-US" dirty="0"/>
-          </a:p>
-        </p:txBody>
-      </p:sp>
-      <p:sp>
-        <p:nvSpPr>
-          <p:cNvPr id="3" name="内容占位符 2">
-            <a:extLst>
-              <a:ext uri="{FF2B5EF4-FFF2-40B4-BE49-F238E27FC236}">
-                <a16:creationId xmlns:a16="http://schemas.microsoft.com/office/drawing/2014/main" id="{77834481-5224-4C23-ACE8-6BB4163395E0}"/>
-              </a:ext>
-            </a:extLst>
-          </p:cNvPr>
-          <p:cNvSpPr>
-            <a:spLocks noGrp="1"/>
-          </p:cNvSpPr>
-          <p:nvPr>
-            <p:ph sz="quarter" idx="1"/>
-          </p:nvPr>
-        </p:nvSpPr>
-        <p:spPr/>
-        <p:txBody>
-          <a:bodyPr/>
-          <a:lstStyle/>
-          <a:p>
-            <a:r>
-              <a:rPr lang="en-US" altLang="zh-CN" dirty="0"/>
-              <a:t>It’s better to finish the application first and then</a:t>
-            </a:r>
-          </a:p>
-          <a:p>
-            <a:pPr marL="0" indent="0">
-              <a:buNone/>
-            </a:pPr>
-            <a:r>
-              <a:rPr lang="en-US" altLang="zh-CN" dirty="0"/>
-              <a:t>   extract the framework</a:t>
-            </a:r>
-          </a:p>
-          <a:p>
-            <a:pPr marL="0" indent="0">
-              <a:buNone/>
-            </a:pPr>
-            <a:endParaRPr lang="zh-CN" altLang="en-US" dirty="0"/>
-          </a:p>
-        </p:txBody>
-      </p:sp>
-    </p:spTree>
-    <p:extLst>
-      <p:ext uri="{BB962C8B-B14F-4D97-AF65-F5344CB8AC3E}">
-        <p14:creationId xmlns:p14="http://schemas.microsoft.com/office/powerpoint/2010/main" val="2791519688"/>
-      </p:ext>
-    </p:extLst>
-  </p:cSld>
-  <p:clrMapOvr>
-    <a:masterClrMapping/>
-  </p:clrMapOvr>
-</p:sld>
-</file>
-
 <file path=ppt/slides/slide2.xml><?xml version="1.0" encoding="utf-8"?>
 <p:sld xmlns:a="http://schemas.openxmlformats.org/drawingml/2006/main" xmlns:r="http://schemas.openxmlformats.org/officeDocument/2006/relationships" xmlns:p="http://schemas.openxmlformats.org/presentationml/2006/main">
   <p:cSld>
@@ -8106,7 +8014,1008 @@
 </p:sld>
 </file>
 
+<file path=ppt/slides/slide20.xml><?xml version="1.0" encoding="utf-8"?>
+<p:sld xmlns:a="http://schemas.openxmlformats.org/drawingml/2006/main" xmlns:r="http://schemas.openxmlformats.org/officeDocument/2006/relationships" xmlns:p="http://schemas.openxmlformats.org/presentationml/2006/main">
+  <p:cSld>
+    <p:spTree>
+      <p:nvGrpSpPr>
+        <p:cNvPr id="1" name=""/>
+        <p:cNvGrpSpPr/>
+        <p:nvPr/>
+      </p:nvGrpSpPr>
+      <p:grpSpPr>
+        <a:xfrm>
+          <a:off x="0" y="0"/>
+          <a:ext cx="0" cy="0"/>
+          <a:chOff x="0" y="0"/>
+          <a:chExt cx="0" cy="0"/>
+        </a:xfrm>
+      </p:grpSpPr>
+      <p:sp>
+        <p:nvSpPr>
+          <p:cNvPr id="2" name="标题 1">
+            <a:extLst>
+              <a:ext uri="{FF2B5EF4-FFF2-40B4-BE49-F238E27FC236}">
+                <a16:creationId xmlns:a16="http://schemas.microsoft.com/office/drawing/2014/main" id="{304927C9-533B-45CB-BB54-0ACE7CF4AD79}"/>
+              </a:ext>
+            </a:extLst>
+          </p:cNvPr>
+          <p:cNvSpPr>
+            <a:spLocks noGrp="1"/>
+          </p:cNvSpPr>
+          <p:nvPr>
+            <p:ph type="title"/>
+          </p:nvPr>
+        </p:nvSpPr>
+        <p:spPr/>
+        <p:txBody>
+          <a:bodyPr/>
+          <a:lstStyle/>
+          <a:p>
+            <a:r>
+              <a:rPr lang="en-US" altLang="zh-CN" dirty="0"/>
+              <a:t>Work Conclusion</a:t>
+            </a:r>
+            <a:endParaRPr lang="zh-CN" altLang="en-US" dirty="0"/>
+          </a:p>
+        </p:txBody>
+      </p:sp>
+      <p:sp>
+        <p:nvSpPr>
+          <p:cNvPr id="3" name="内容占位符 2">
+            <a:extLst>
+              <a:ext uri="{FF2B5EF4-FFF2-40B4-BE49-F238E27FC236}">
+                <a16:creationId xmlns:a16="http://schemas.microsoft.com/office/drawing/2014/main" id="{431521B0-1E15-4058-8F96-C256F204B129}"/>
+              </a:ext>
+            </a:extLst>
+          </p:cNvPr>
+          <p:cNvSpPr>
+            <a:spLocks noGrp="1"/>
+          </p:cNvSpPr>
+          <p:nvPr>
+            <p:ph sz="quarter" idx="1"/>
+          </p:nvPr>
+        </p:nvSpPr>
+        <p:spPr>
+          <a:xfrm>
+            <a:off x="612648" y="1600200"/>
+            <a:ext cx="8153400" cy="5029200"/>
+          </a:xfrm>
+        </p:spPr>
+        <p:txBody>
+          <a:bodyPr>
+            <a:normAutofit lnSpcReduction="10000"/>
+          </a:bodyPr>
+          <a:lstStyle/>
+          <a:p>
+            <a:r>
+              <a:rPr lang="en-US" altLang="zh-CN" dirty="0"/>
+              <a:t>Implemented </a:t>
+            </a:r>
+          </a:p>
+          <a:p>
+            <a:pPr marL="0" indent="0">
+              <a:buNone/>
+            </a:pPr>
+            <a:r>
+              <a:rPr lang="en-US" altLang="zh-CN" dirty="0"/>
+              <a:t> </a:t>
+            </a:r>
+            <a:r>
+              <a:rPr lang="en-US" altLang="zh-CN" dirty="0" err="1"/>
+              <a:t>DataAccess</a:t>
+            </a:r>
+            <a:r>
+              <a:rPr lang="en-US" altLang="zh-CN" dirty="0"/>
+              <a:t>:  </a:t>
+            </a:r>
+          </a:p>
+          <a:p>
+            <a:pPr marL="0" indent="0">
+              <a:buNone/>
+            </a:pPr>
+            <a:r>
+              <a:rPr lang="en-US" altLang="zh-CN" dirty="0"/>
+              <a:t>          Connection Pool</a:t>
+            </a:r>
+          </a:p>
+          <a:p>
+            <a:pPr marL="0" indent="0">
+              <a:buNone/>
+            </a:pPr>
+            <a:r>
+              <a:rPr lang="en-US" altLang="zh-CN" dirty="0"/>
+              <a:t>          </a:t>
+            </a:r>
+            <a:r>
+              <a:rPr lang="en-US" altLang="zh-CN" dirty="0" err="1"/>
+              <a:t>FacadeJDBC</a:t>
+            </a:r>
+            <a:r>
+              <a:rPr lang="en-US" altLang="zh-CN" dirty="0"/>
+              <a:t> Access</a:t>
+            </a:r>
+          </a:p>
+          <a:p>
+            <a:pPr marL="0" indent="0">
+              <a:buNone/>
+            </a:pPr>
+            <a:r>
+              <a:rPr lang="en-US" altLang="zh-CN" dirty="0"/>
+              <a:t> Recommendation: </a:t>
+            </a:r>
+          </a:p>
+          <a:p>
+            <a:pPr marL="0" indent="0">
+              <a:buNone/>
+            </a:pPr>
+            <a:r>
+              <a:rPr lang="en-US" altLang="zh-CN" dirty="0"/>
+              <a:t>      A simple framework</a:t>
+            </a:r>
+          </a:p>
+          <a:p>
+            <a:pPr marL="0" indent="0">
+              <a:buNone/>
+            </a:pPr>
+            <a:r>
+              <a:rPr lang="en-US" altLang="zh-CN" dirty="0"/>
+              <a:t>      Two algorithms for recommendations </a:t>
+            </a:r>
+          </a:p>
+          <a:p>
+            <a:endParaRPr lang="en-US" altLang="zh-CN" dirty="0"/>
+          </a:p>
+          <a:p>
+            <a:r>
+              <a:rPr lang="en-US" altLang="zh-CN" dirty="0"/>
+              <a:t>Not done: Run out of time to final integrate into the application</a:t>
+            </a:r>
+            <a:endParaRPr lang="zh-CN" altLang="en-US" dirty="0"/>
+          </a:p>
+        </p:txBody>
+      </p:sp>
+    </p:spTree>
+    <p:extLst>
+      <p:ext uri="{BB962C8B-B14F-4D97-AF65-F5344CB8AC3E}">
+        <p14:creationId xmlns:p14="http://schemas.microsoft.com/office/powerpoint/2010/main" val="252893555"/>
+      </p:ext>
+    </p:extLst>
+  </p:cSld>
+  <p:clrMapOvr>
+    <a:masterClrMapping/>
+  </p:clrMapOvr>
+</p:sld>
+</file>
+
+<file path=ppt/slides/slide21.xml><?xml version="1.0" encoding="utf-8"?>
+<p:sld xmlns:a="http://schemas.openxmlformats.org/drawingml/2006/main" xmlns:r="http://schemas.openxmlformats.org/officeDocument/2006/relationships" xmlns:p="http://schemas.openxmlformats.org/presentationml/2006/main">
+  <p:cSld>
+    <p:spTree>
+      <p:nvGrpSpPr>
+        <p:cNvPr id="1" name=""/>
+        <p:cNvGrpSpPr/>
+        <p:nvPr/>
+      </p:nvGrpSpPr>
+      <p:grpSpPr>
+        <a:xfrm>
+          <a:off x="0" y="0"/>
+          <a:ext cx="0" cy="0"/>
+          <a:chOff x="0" y="0"/>
+          <a:chExt cx="0" cy="0"/>
+        </a:xfrm>
+      </p:grpSpPr>
+      <p:sp>
+        <p:nvSpPr>
+          <p:cNvPr id="2" name="标题 1">
+            <a:extLst>
+              <a:ext uri="{FF2B5EF4-FFF2-40B4-BE49-F238E27FC236}">
+                <a16:creationId xmlns:a16="http://schemas.microsoft.com/office/drawing/2014/main" id="{0A3F842F-C27B-4BA7-9B9C-E19FEA35A5D1}"/>
+              </a:ext>
+            </a:extLst>
+          </p:cNvPr>
+          <p:cNvSpPr>
+            <a:spLocks noGrp="1"/>
+          </p:cNvSpPr>
+          <p:nvPr>
+            <p:ph type="title"/>
+          </p:nvPr>
+        </p:nvSpPr>
+        <p:spPr/>
+        <p:txBody>
+          <a:bodyPr/>
+          <a:lstStyle/>
+          <a:p>
+            <a:r>
+              <a:rPr lang="en-US" altLang="zh-CN" dirty="0"/>
+              <a:t>Experience and Lessons</a:t>
+            </a:r>
+            <a:endParaRPr lang="zh-CN" altLang="en-US" dirty="0"/>
+          </a:p>
+        </p:txBody>
+      </p:sp>
+      <p:sp>
+        <p:nvSpPr>
+          <p:cNvPr id="3" name="内容占位符 2">
+            <a:extLst>
+              <a:ext uri="{FF2B5EF4-FFF2-40B4-BE49-F238E27FC236}">
+                <a16:creationId xmlns:a16="http://schemas.microsoft.com/office/drawing/2014/main" id="{77834481-5224-4C23-ACE8-6BB4163395E0}"/>
+              </a:ext>
+            </a:extLst>
+          </p:cNvPr>
+          <p:cNvSpPr>
+            <a:spLocks noGrp="1"/>
+          </p:cNvSpPr>
+          <p:nvPr>
+            <p:ph sz="quarter" idx="1"/>
+          </p:nvPr>
+        </p:nvSpPr>
+        <p:spPr/>
+        <p:txBody>
+          <a:bodyPr/>
+          <a:lstStyle/>
+          <a:p>
+            <a:r>
+              <a:rPr lang="en-US" altLang="zh-CN" dirty="0"/>
+              <a:t>It’s better to finish the application first and then</a:t>
+            </a:r>
+          </a:p>
+          <a:p>
+            <a:pPr marL="0" indent="0">
+              <a:buNone/>
+            </a:pPr>
+            <a:r>
+              <a:rPr lang="en-US" altLang="zh-CN" dirty="0"/>
+              <a:t>   extract the framework</a:t>
+            </a:r>
+          </a:p>
+          <a:p>
+            <a:pPr marL="0" indent="0">
+              <a:buNone/>
+            </a:pPr>
+            <a:endParaRPr lang="en-US" altLang="zh-CN" dirty="0"/>
+          </a:p>
+          <a:p>
+            <a:pPr marL="0" indent="0">
+              <a:buNone/>
+            </a:pPr>
+            <a:endParaRPr lang="en-US" altLang="zh-CN" dirty="0"/>
+          </a:p>
+          <a:p>
+            <a:pPr marL="0" indent="0">
+              <a:buNone/>
+            </a:pPr>
+            <a:endParaRPr lang="zh-CN" altLang="en-US" dirty="0"/>
+          </a:p>
+        </p:txBody>
+      </p:sp>
+    </p:spTree>
+    <p:extLst>
+      <p:ext uri="{BB962C8B-B14F-4D97-AF65-F5344CB8AC3E}">
+        <p14:creationId xmlns:p14="http://schemas.microsoft.com/office/powerpoint/2010/main" val="2791519688"/>
+      </p:ext>
+    </p:extLst>
+  </p:cSld>
+  <p:clrMapOvr>
+    <a:masterClrMapping/>
+  </p:clrMapOvr>
+</p:sld>
+</file>
+
 <file path=ppt/slides/slide3.xml><?xml version="1.0" encoding="utf-8"?>
+<p:sld xmlns:a="http://schemas.openxmlformats.org/drawingml/2006/main" xmlns:r="http://schemas.openxmlformats.org/officeDocument/2006/relationships" xmlns:p="http://schemas.openxmlformats.org/presentationml/2006/main">
+  <p:cSld>
+    <p:spTree>
+      <p:nvGrpSpPr>
+        <p:cNvPr id="1" name=""/>
+        <p:cNvGrpSpPr/>
+        <p:nvPr/>
+      </p:nvGrpSpPr>
+      <p:grpSpPr>
+        <a:xfrm>
+          <a:off x="0" y="0"/>
+          <a:ext cx="0" cy="0"/>
+          <a:chOff x="0" y="0"/>
+          <a:chExt cx="0" cy="0"/>
+        </a:xfrm>
+      </p:grpSpPr>
+      <p:sp>
+        <p:nvSpPr>
+          <p:cNvPr id="2" name="标题 1">
+            <a:extLst>
+              <a:ext uri="{FF2B5EF4-FFF2-40B4-BE49-F238E27FC236}">
+                <a16:creationId xmlns:a16="http://schemas.microsoft.com/office/drawing/2014/main" id="{8F86EBCF-A817-45EB-ACD4-1E156583F76E}"/>
+              </a:ext>
+            </a:extLst>
+          </p:cNvPr>
+          <p:cNvSpPr>
+            <a:spLocks noGrp="1"/>
+          </p:cNvSpPr>
+          <p:nvPr>
+            <p:ph type="title"/>
+          </p:nvPr>
+        </p:nvSpPr>
+        <p:spPr/>
+        <p:txBody>
+          <a:bodyPr/>
+          <a:lstStyle/>
+          <a:p>
+            <a:r>
+              <a:rPr lang="en-US" altLang="zh-CN" dirty="0"/>
+              <a:t>Collaborative filtering</a:t>
+            </a:r>
+            <a:endParaRPr lang="zh-CN" altLang="en-US" dirty="0"/>
+          </a:p>
+        </p:txBody>
+      </p:sp>
+      <p:sp>
+        <p:nvSpPr>
+          <p:cNvPr id="3" name="内容占位符 2">
+            <a:extLst>
+              <a:ext uri="{FF2B5EF4-FFF2-40B4-BE49-F238E27FC236}">
+                <a16:creationId xmlns:a16="http://schemas.microsoft.com/office/drawing/2014/main" id="{2F8EAD98-1944-4DD8-B56F-E732B1BE2F64}"/>
+              </a:ext>
+            </a:extLst>
+          </p:cNvPr>
+          <p:cNvSpPr>
+            <a:spLocks noGrp="1"/>
+          </p:cNvSpPr>
+          <p:nvPr>
+            <p:ph sz="quarter" idx="1"/>
+          </p:nvPr>
+        </p:nvSpPr>
+        <p:spPr/>
+        <p:txBody>
+          <a:bodyPr>
+            <a:normAutofit fontScale="47500" lnSpcReduction="20000"/>
+          </a:bodyPr>
+          <a:lstStyle/>
+          <a:p>
+            <a:r>
+              <a:rPr lang="en-US" altLang="zh-CN" sz="3200" dirty="0">
+                <a:solidFill>
+                  <a:srgbClr val="000000"/>
+                </a:solidFill>
+                <a:latin typeface="Consolas" panose="020B0609020204030204" pitchFamily="49" charset="0"/>
+              </a:rPr>
+              <a:t>    </a:t>
+            </a:r>
+            <a:r>
+              <a:rPr lang="en-US" altLang="zh-CN" sz="3200" b="1" dirty="0">
+                <a:solidFill>
+                  <a:srgbClr val="7F0055"/>
+                </a:solidFill>
+                <a:latin typeface="Consolas" panose="020B0609020204030204" pitchFamily="49" charset="0"/>
+              </a:rPr>
+              <a:t>public</a:t>
+            </a:r>
+            <a:r>
+              <a:rPr lang="en-US" altLang="zh-CN" sz="3200" b="1" dirty="0">
+                <a:solidFill>
+                  <a:srgbClr val="000000"/>
+                </a:solidFill>
+                <a:latin typeface="Consolas" panose="020B0609020204030204" pitchFamily="49" charset="0"/>
+              </a:rPr>
+              <a:t> </a:t>
+            </a:r>
+            <a:r>
+              <a:rPr lang="en-US" altLang="zh-CN" sz="3200" b="1" dirty="0">
+                <a:solidFill>
+                  <a:srgbClr val="7F0055"/>
+                </a:solidFill>
+                <a:latin typeface="Consolas" panose="020B0609020204030204" pitchFamily="49" charset="0"/>
+              </a:rPr>
+              <a:t>final</a:t>
+            </a:r>
+            <a:r>
+              <a:rPr lang="en-US" altLang="zh-CN" sz="3200" b="1" dirty="0">
+                <a:solidFill>
+                  <a:srgbClr val="000000"/>
+                </a:solidFill>
+                <a:latin typeface="Consolas" panose="020B0609020204030204" pitchFamily="49" charset="0"/>
+              </a:rPr>
+              <a:t> </a:t>
+            </a:r>
+            <a:r>
+              <a:rPr lang="en-US" altLang="zh-CN" sz="3200" b="1" dirty="0">
+                <a:solidFill>
+                  <a:srgbClr val="7F0055"/>
+                </a:solidFill>
+                <a:latin typeface="Consolas" panose="020B0609020204030204" pitchFamily="49" charset="0"/>
+              </a:rPr>
+              <a:t>static</a:t>
+            </a:r>
+            <a:r>
+              <a:rPr lang="en-US" altLang="zh-CN" sz="3200" b="1" dirty="0">
+                <a:solidFill>
+                  <a:srgbClr val="000000"/>
+                </a:solidFill>
+                <a:latin typeface="Consolas" panose="020B0609020204030204" pitchFamily="49" charset="0"/>
+              </a:rPr>
+              <a:t> </a:t>
+            </a:r>
+            <a:r>
+              <a:rPr lang="en-US" altLang="zh-CN" sz="3200" b="1" dirty="0" err="1">
+                <a:solidFill>
+                  <a:srgbClr val="7F0055"/>
+                </a:solidFill>
+                <a:latin typeface="Consolas" panose="020B0609020204030204" pitchFamily="49" charset="0"/>
+              </a:rPr>
+              <a:t>int</a:t>
+            </a:r>
+            <a:r>
+              <a:rPr lang="en-US" altLang="zh-CN" sz="3200" b="1" dirty="0">
+                <a:solidFill>
+                  <a:srgbClr val="000000"/>
+                </a:solidFill>
+                <a:latin typeface="Consolas" panose="020B0609020204030204" pitchFamily="49" charset="0"/>
+              </a:rPr>
+              <a:t> </a:t>
+            </a:r>
+            <a:r>
+              <a:rPr lang="en-US" altLang="zh-CN" sz="3200" b="1" i="1" dirty="0" err="1">
+                <a:solidFill>
+                  <a:srgbClr val="0000C0"/>
+                </a:solidFill>
+                <a:latin typeface="Consolas" panose="020B0609020204030204" pitchFamily="49" charset="0"/>
+              </a:rPr>
+              <a:t>customerNo</a:t>
+            </a:r>
+            <a:r>
+              <a:rPr lang="en-US" altLang="zh-CN" sz="3200" b="1" i="1" dirty="0">
+                <a:solidFill>
+                  <a:srgbClr val="000000"/>
+                </a:solidFill>
+                <a:latin typeface="Consolas" panose="020B0609020204030204" pitchFamily="49" charset="0"/>
+              </a:rPr>
+              <a:t> = 10;</a:t>
+            </a:r>
+          </a:p>
+          <a:p>
+            <a:r>
+              <a:rPr lang="en-US" altLang="zh-CN" sz="3200" dirty="0">
+                <a:solidFill>
+                  <a:srgbClr val="000000"/>
+                </a:solidFill>
+                <a:latin typeface="Consolas" panose="020B0609020204030204" pitchFamily="49" charset="0"/>
+              </a:rPr>
+              <a:t>    </a:t>
+            </a:r>
+            <a:r>
+              <a:rPr lang="en-US" altLang="zh-CN" sz="3200" b="1" dirty="0">
+                <a:solidFill>
+                  <a:srgbClr val="7F0055"/>
+                </a:solidFill>
+                <a:latin typeface="Consolas" panose="020B0609020204030204" pitchFamily="49" charset="0"/>
+              </a:rPr>
+              <a:t>public</a:t>
+            </a:r>
+            <a:r>
+              <a:rPr lang="en-US" altLang="zh-CN" sz="3200" b="1" dirty="0">
+                <a:solidFill>
+                  <a:srgbClr val="000000"/>
+                </a:solidFill>
+                <a:latin typeface="Consolas" panose="020B0609020204030204" pitchFamily="49" charset="0"/>
+              </a:rPr>
+              <a:t> </a:t>
+            </a:r>
+            <a:r>
+              <a:rPr lang="en-US" altLang="zh-CN" sz="3200" b="1" dirty="0">
+                <a:solidFill>
+                  <a:srgbClr val="7F0055"/>
+                </a:solidFill>
+                <a:latin typeface="Consolas" panose="020B0609020204030204" pitchFamily="49" charset="0"/>
+              </a:rPr>
+              <a:t>final</a:t>
+            </a:r>
+            <a:r>
+              <a:rPr lang="en-US" altLang="zh-CN" sz="3200" b="1" dirty="0">
+                <a:solidFill>
+                  <a:srgbClr val="000000"/>
+                </a:solidFill>
+                <a:latin typeface="Consolas" panose="020B0609020204030204" pitchFamily="49" charset="0"/>
+              </a:rPr>
+              <a:t> </a:t>
+            </a:r>
+            <a:r>
+              <a:rPr lang="en-US" altLang="zh-CN" sz="3200" b="1" dirty="0">
+                <a:solidFill>
+                  <a:srgbClr val="7F0055"/>
+                </a:solidFill>
+                <a:latin typeface="Consolas" panose="020B0609020204030204" pitchFamily="49" charset="0"/>
+              </a:rPr>
+              <a:t>static</a:t>
+            </a:r>
+            <a:r>
+              <a:rPr lang="en-US" altLang="zh-CN" sz="3200" b="1" dirty="0">
+                <a:solidFill>
+                  <a:srgbClr val="000000"/>
+                </a:solidFill>
+                <a:latin typeface="Consolas" panose="020B0609020204030204" pitchFamily="49" charset="0"/>
+              </a:rPr>
+              <a:t> </a:t>
+            </a:r>
+            <a:r>
+              <a:rPr lang="en-US" altLang="zh-CN" sz="3200" b="1" dirty="0" err="1">
+                <a:solidFill>
+                  <a:srgbClr val="7F0055"/>
+                </a:solidFill>
+                <a:latin typeface="Consolas" panose="020B0609020204030204" pitchFamily="49" charset="0"/>
+              </a:rPr>
+              <a:t>int</a:t>
+            </a:r>
+            <a:r>
+              <a:rPr lang="en-US" altLang="zh-CN" sz="3200" b="1" dirty="0">
+                <a:solidFill>
+                  <a:srgbClr val="000000"/>
+                </a:solidFill>
+                <a:latin typeface="Consolas" panose="020B0609020204030204" pitchFamily="49" charset="0"/>
+              </a:rPr>
+              <a:t> </a:t>
+            </a:r>
+            <a:r>
+              <a:rPr lang="en-US" altLang="zh-CN" sz="3200" b="1" i="1" dirty="0" err="1">
+                <a:solidFill>
+                  <a:srgbClr val="0000C0"/>
+                </a:solidFill>
+                <a:latin typeface="Consolas" panose="020B0609020204030204" pitchFamily="49" charset="0"/>
+              </a:rPr>
+              <a:t>productNo</a:t>
+            </a:r>
+            <a:r>
+              <a:rPr lang="en-US" altLang="zh-CN" sz="3200" b="1" i="1" dirty="0">
+                <a:solidFill>
+                  <a:srgbClr val="000000"/>
+                </a:solidFill>
+                <a:latin typeface="Consolas" panose="020B0609020204030204" pitchFamily="49" charset="0"/>
+              </a:rPr>
+              <a:t> = 11;</a:t>
+            </a:r>
+          </a:p>
+          <a:p>
+            <a:r>
+              <a:rPr lang="en-US" altLang="zh-CN" sz="3200" dirty="0">
+                <a:solidFill>
+                  <a:srgbClr val="000000"/>
+                </a:solidFill>
+                <a:latin typeface="Consolas" panose="020B0609020204030204" pitchFamily="49" charset="0"/>
+              </a:rPr>
+              <a:t>    </a:t>
+            </a:r>
+            <a:r>
+              <a:rPr lang="en-US" altLang="zh-CN" sz="3200" b="1" dirty="0">
+                <a:solidFill>
+                  <a:srgbClr val="7F0055"/>
+                </a:solidFill>
+                <a:latin typeface="Consolas" panose="020B0609020204030204" pitchFamily="49" charset="0"/>
+              </a:rPr>
+              <a:t>public</a:t>
+            </a:r>
+            <a:r>
+              <a:rPr lang="en-US" altLang="zh-CN" sz="3200" b="1" dirty="0">
+                <a:solidFill>
+                  <a:srgbClr val="000000"/>
+                </a:solidFill>
+                <a:latin typeface="Consolas" panose="020B0609020204030204" pitchFamily="49" charset="0"/>
+              </a:rPr>
+              <a:t> </a:t>
+            </a:r>
+            <a:r>
+              <a:rPr lang="en-US" altLang="zh-CN" sz="3200" b="1" dirty="0">
+                <a:solidFill>
+                  <a:srgbClr val="7F0055"/>
+                </a:solidFill>
+                <a:latin typeface="Consolas" panose="020B0609020204030204" pitchFamily="49" charset="0"/>
+              </a:rPr>
+              <a:t>final</a:t>
+            </a:r>
+            <a:r>
+              <a:rPr lang="en-US" altLang="zh-CN" sz="3200" b="1" dirty="0">
+                <a:solidFill>
+                  <a:srgbClr val="000000"/>
+                </a:solidFill>
+                <a:latin typeface="Consolas" panose="020B0609020204030204" pitchFamily="49" charset="0"/>
+              </a:rPr>
+              <a:t> </a:t>
+            </a:r>
+            <a:r>
+              <a:rPr lang="en-US" altLang="zh-CN" sz="3200" b="1" dirty="0">
+                <a:solidFill>
+                  <a:srgbClr val="7F0055"/>
+                </a:solidFill>
+                <a:latin typeface="Consolas" panose="020B0609020204030204" pitchFamily="49" charset="0"/>
+              </a:rPr>
+              <a:t>static</a:t>
+            </a:r>
+            <a:r>
+              <a:rPr lang="en-US" altLang="zh-CN" sz="3200" b="1" dirty="0">
+                <a:solidFill>
+                  <a:srgbClr val="000000"/>
+                </a:solidFill>
+                <a:latin typeface="Consolas" panose="020B0609020204030204" pitchFamily="49" charset="0"/>
+              </a:rPr>
+              <a:t> </a:t>
+            </a:r>
+            <a:r>
+              <a:rPr lang="en-US" altLang="zh-CN" sz="3200" b="1" dirty="0">
+                <a:solidFill>
+                  <a:srgbClr val="7F0055"/>
+                </a:solidFill>
+                <a:latin typeface="Consolas" panose="020B0609020204030204" pitchFamily="49" charset="0"/>
+              </a:rPr>
+              <a:t>double</a:t>
+            </a:r>
+            <a:r>
+              <a:rPr lang="en-US" altLang="zh-CN" sz="3200" b="1" dirty="0">
+                <a:solidFill>
+                  <a:srgbClr val="000000"/>
+                </a:solidFill>
+                <a:latin typeface="Consolas" panose="020B0609020204030204" pitchFamily="49" charset="0"/>
+              </a:rPr>
+              <a:t>[][] </a:t>
+            </a:r>
+            <a:r>
+              <a:rPr lang="en-US" altLang="zh-CN" sz="3200" b="1" i="1" dirty="0" err="1">
+                <a:solidFill>
+                  <a:srgbClr val="0000C0"/>
+                </a:solidFill>
+                <a:highlight>
+                  <a:srgbClr val="F0D8A8"/>
+                </a:highlight>
+                <a:latin typeface="Consolas" panose="020B0609020204030204" pitchFamily="49" charset="0"/>
+              </a:rPr>
+              <a:t>rateScore</a:t>
+            </a:r>
+            <a:r>
+              <a:rPr lang="en-US" altLang="zh-CN" sz="3200" b="1" i="1" dirty="0">
+                <a:solidFill>
+                  <a:srgbClr val="000000"/>
+                </a:solidFill>
+                <a:highlight>
+                  <a:srgbClr val="F0D8A8"/>
+                </a:highlight>
+                <a:latin typeface="Consolas" panose="020B0609020204030204" pitchFamily="49" charset="0"/>
+              </a:rPr>
+              <a:t> = {</a:t>
+            </a:r>
+          </a:p>
+          <a:p>
+            <a:r>
+              <a:rPr lang="zh-CN" altLang="en-US" sz="3200" dirty="0">
+                <a:solidFill>
+                  <a:srgbClr val="000000"/>
+                </a:solidFill>
+                <a:latin typeface="Consolas" panose="020B0609020204030204" pitchFamily="49" charset="0"/>
+              </a:rPr>
+              <a:t>            </a:t>
+            </a:r>
+            <a:r>
+              <a:rPr lang="en-US" altLang="zh-CN" sz="3200" dirty="0">
+                <a:solidFill>
+                  <a:srgbClr val="000000"/>
+                </a:solidFill>
+                <a:latin typeface="Consolas" panose="020B0609020204030204" pitchFamily="49" charset="0"/>
+              </a:rPr>
+              <a:t>{3.4, 3.5, 3.6, 3.7, 3.8, 3.9, 4.0, 4.1, 4.2, 4.3, 4.23},</a:t>
+            </a:r>
+          </a:p>
+          <a:p>
+            <a:r>
+              <a:rPr lang="zh-CN" altLang="en-US" sz="3200" dirty="0">
+                <a:solidFill>
+                  <a:srgbClr val="000000"/>
+                </a:solidFill>
+                <a:latin typeface="Consolas" panose="020B0609020204030204" pitchFamily="49" charset="0"/>
+              </a:rPr>
+              <a:t>            </a:t>
+            </a:r>
+            <a:r>
+              <a:rPr lang="en-US" altLang="zh-CN" sz="3200" dirty="0">
+                <a:solidFill>
+                  <a:srgbClr val="000000"/>
+                </a:solidFill>
+                <a:latin typeface="Consolas" panose="020B0609020204030204" pitchFamily="49" charset="0"/>
+              </a:rPr>
+              <a:t>{0, 1, 2, 3, 4, 5, 6, 7, 8, 9, 3},</a:t>
+            </a:r>
+          </a:p>
+          <a:p>
+            <a:r>
+              <a:rPr lang="zh-CN" altLang="en-US" sz="3200" dirty="0">
+                <a:solidFill>
+                  <a:srgbClr val="000000"/>
+                </a:solidFill>
+                <a:latin typeface="Consolas" panose="020B0609020204030204" pitchFamily="49" charset="0"/>
+              </a:rPr>
+              <a:t>            </a:t>
+            </a:r>
+            <a:r>
+              <a:rPr lang="en-US" altLang="zh-CN" sz="3200" dirty="0">
+                <a:solidFill>
+                  <a:srgbClr val="000000"/>
+                </a:solidFill>
+                <a:latin typeface="Consolas" panose="020B0609020204030204" pitchFamily="49" charset="0"/>
+              </a:rPr>
+              <a:t>{0, 1, 2, 3, 4, 5, 6, 7, 8, 9, 3},</a:t>
+            </a:r>
+          </a:p>
+          <a:p>
+            <a:r>
+              <a:rPr lang="zh-CN" altLang="en-US" sz="3200" dirty="0">
+                <a:solidFill>
+                  <a:srgbClr val="000000"/>
+                </a:solidFill>
+                <a:latin typeface="Consolas" panose="020B0609020204030204" pitchFamily="49" charset="0"/>
+              </a:rPr>
+              <a:t>            </a:t>
+            </a:r>
+            <a:r>
+              <a:rPr lang="en-US" altLang="zh-CN" sz="3200" dirty="0">
+                <a:solidFill>
+                  <a:srgbClr val="000000"/>
+                </a:solidFill>
+                <a:latin typeface="Consolas" panose="020B0609020204030204" pitchFamily="49" charset="0"/>
+              </a:rPr>
+              <a:t>{3.45, 3.5, 3.6, 3.7, 3.8, 3.99, 4.10, 4.19, 4.2, 4.3, 4.2},</a:t>
+            </a:r>
+          </a:p>
+          <a:p>
+            <a:r>
+              <a:rPr lang="zh-CN" altLang="en-US" sz="3200" dirty="0">
+                <a:solidFill>
+                  <a:srgbClr val="000000"/>
+                </a:solidFill>
+                <a:latin typeface="Consolas" panose="020B0609020204030204" pitchFamily="49" charset="0"/>
+              </a:rPr>
+              <a:t>            </a:t>
+            </a:r>
+            <a:r>
+              <a:rPr lang="en-US" altLang="zh-CN" sz="3200" dirty="0">
+                <a:solidFill>
+                  <a:srgbClr val="000000"/>
+                </a:solidFill>
+                <a:latin typeface="Consolas" panose="020B0609020204030204" pitchFamily="49" charset="0"/>
+              </a:rPr>
+              <a:t>{0, 1, 2, 3, 4, 5, 6, 7, 8, 9, 4},</a:t>
+            </a:r>
+          </a:p>
+          <a:p>
+            <a:r>
+              <a:rPr lang="zh-CN" altLang="en-US" sz="3200" dirty="0">
+                <a:solidFill>
+                  <a:srgbClr val="000000"/>
+                </a:solidFill>
+                <a:latin typeface="Consolas" panose="020B0609020204030204" pitchFamily="49" charset="0"/>
+              </a:rPr>
+              <a:t>            </a:t>
+            </a:r>
+            <a:r>
+              <a:rPr lang="en-US" altLang="zh-CN" sz="3200" dirty="0">
+                <a:solidFill>
+                  <a:srgbClr val="000000"/>
+                </a:solidFill>
+                <a:latin typeface="Consolas" panose="020B0609020204030204" pitchFamily="49" charset="0"/>
+              </a:rPr>
+              <a:t>{0, 1, 2, 3, 4, 5, 6, 7, 8, 9, 4},</a:t>
+            </a:r>
+          </a:p>
+          <a:p>
+            <a:r>
+              <a:rPr lang="zh-CN" altLang="en-US" sz="3200" dirty="0">
+                <a:solidFill>
+                  <a:srgbClr val="000000"/>
+                </a:solidFill>
+                <a:latin typeface="Consolas" panose="020B0609020204030204" pitchFamily="49" charset="0"/>
+              </a:rPr>
+              <a:t>            </a:t>
+            </a:r>
+            <a:r>
+              <a:rPr lang="en-US" altLang="zh-CN" sz="3200" dirty="0">
+                <a:solidFill>
+                  <a:srgbClr val="000000"/>
+                </a:solidFill>
+                <a:latin typeface="Consolas" panose="020B0609020204030204" pitchFamily="49" charset="0"/>
+              </a:rPr>
+              <a:t>{0, 1, 2, 3, 4, 5, 6, 7, 8, 9, 3},</a:t>
+            </a:r>
+          </a:p>
+          <a:p>
+            <a:r>
+              <a:rPr lang="zh-CN" altLang="en-US" sz="3200" dirty="0">
+                <a:solidFill>
+                  <a:srgbClr val="000000"/>
+                </a:solidFill>
+                <a:latin typeface="Consolas" panose="020B0609020204030204" pitchFamily="49" charset="0"/>
+              </a:rPr>
+              <a:t>            </a:t>
+            </a:r>
+            <a:r>
+              <a:rPr lang="en-US" altLang="zh-CN" sz="3200" dirty="0">
+                <a:solidFill>
+                  <a:srgbClr val="000000"/>
+                </a:solidFill>
+                <a:latin typeface="Consolas" panose="020B0609020204030204" pitchFamily="49" charset="0"/>
+              </a:rPr>
+              <a:t>{3.46, 3.58, 3.69, 3.7, 3.80, 3.96, 4.07, 4.15, 4.28, 4.33, 4.3},</a:t>
+            </a:r>
+          </a:p>
+          <a:p>
+            <a:r>
+              <a:rPr lang="zh-CN" altLang="en-US" sz="3200" dirty="0">
+                <a:solidFill>
+                  <a:srgbClr val="000000"/>
+                </a:solidFill>
+                <a:latin typeface="Consolas" panose="020B0609020204030204" pitchFamily="49" charset="0"/>
+              </a:rPr>
+              <a:t>            </a:t>
+            </a:r>
+            <a:r>
+              <a:rPr lang="en-US" altLang="zh-CN" sz="3200" dirty="0">
+                <a:solidFill>
+                  <a:srgbClr val="000000"/>
+                </a:solidFill>
+                <a:latin typeface="Consolas" panose="020B0609020204030204" pitchFamily="49" charset="0"/>
+              </a:rPr>
+              <a:t>{0, 1, 2, 3, 4, 5, 6, 7, 8, 9, 3},</a:t>
+            </a:r>
+          </a:p>
+          <a:p>
+            <a:r>
+              <a:rPr lang="zh-CN" altLang="en-US" sz="3200" dirty="0">
+                <a:solidFill>
+                  <a:srgbClr val="000000"/>
+                </a:solidFill>
+                <a:latin typeface="Consolas" panose="020B0609020204030204" pitchFamily="49" charset="0"/>
+              </a:rPr>
+              <a:t>            </a:t>
+            </a:r>
+            <a:r>
+              <a:rPr lang="en-US" altLang="zh-CN" sz="3200" dirty="0">
+                <a:solidFill>
+                  <a:srgbClr val="000000"/>
+                </a:solidFill>
+                <a:latin typeface="Consolas" panose="020B0609020204030204" pitchFamily="49" charset="0"/>
+              </a:rPr>
+              <a:t>{0, 1, 2, 3, 4, 5, 6, 7, 8, 9, 3}</a:t>
+            </a:r>
+          </a:p>
+          <a:p>
+            <a:r>
+              <a:rPr lang="zh-CN" altLang="en-US" sz="3200" dirty="0">
+                <a:solidFill>
+                  <a:srgbClr val="000000"/>
+                </a:solidFill>
+                <a:latin typeface="Consolas" panose="020B0609020204030204" pitchFamily="49" charset="0"/>
+              </a:rPr>
+              <a:t>    </a:t>
+            </a:r>
+            <a:r>
+              <a:rPr lang="en-US" altLang="zh-CN" sz="3200" dirty="0">
+                <a:solidFill>
+                  <a:srgbClr val="000000"/>
+                </a:solidFill>
+                <a:latin typeface="Consolas" panose="020B0609020204030204" pitchFamily="49" charset="0"/>
+              </a:rPr>
+              <a:t>};</a:t>
+            </a:r>
+            <a:endParaRPr lang="zh-CN" altLang="en-US" dirty="0"/>
+          </a:p>
+        </p:txBody>
+      </p:sp>
+    </p:spTree>
+    <p:extLst>
+      <p:ext uri="{BB962C8B-B14F-4D97-AF65-F5344CB8AC3E}">
+        <p14:creationId xmlns:p14="http://schemas.microsoft.com/office/powerpoint/2010/main" val="3054870315"/>
+      </p:ext>
+    </p:extLst>
+  </p:cSld>
+  <p:clrMapOvr>
+    <a:masterClrMapping/>
+  </p:clrMapOvr>
+</p:sld>
+</file>
+
+<file path=ppt/slides/slide4.xml><?xml version="1.0" encoding="utf-8"?>
+<p:sld xmlns:a="http://schemas.openxmlformats.org/drawingml/2006/main" xmlns:r="http://schemas.openxmlformats.org/officeDocument/2006/relationships" xmlns:p="http://schemas.openxmlformats.org/presentationml/2006/main">
+  <p:cSld>
+    <p:spTree>
+      <p:nvGrpSpPr>
+        <p:cNvPr id="1" name=""/>
+        <p:cNvGrpSpPr/>
+        <p:nvPr/>
+      </p:nvGrpSpPr>
+      <p:grpSpPr>
+        <a:xfrm>
+          <a:off x="0" y="0"/>
+          <a:ext cx="0" cy="0"/>
+          <a:chOff x="0" y="0"/>
+          <a:chExt cx="0" cy="0"/>
+        </a:xfrm>
+      </p:grpSpPr>
+      <p:sp>
+        <p:nvSpPr>
+          <p:cNvPr id="2" name="标题 1">
+            <a:extLst>
+              <a:ext uri="{FF2B5EF4-FFF2-40B4-BE49-F238E27FC236}">
+                <a16:creationId xmlns:a16="http://schemas.microsoft.com/office/drawing/2014/main" id="{35727437-105B-4121-94EF-33022D3D0E74}"/>
+              </a:ext>
+            </a:extLst>
+          </p:cNvPr>
+          <p:cNvSpPr>
+            <a:spLocks noGrp="1"/>
+          </p:cNvSpPr>
+          <p:nvPr>
+            <p:ph type="title"/>
+          </p:nvPr>
+        </p:nvSpPr>
+        <p:spPr/>
+        <p:txBody>
+          <a:bodyPr/>
+          <a:lstStyle/>
+          <a:p>
+            <a:r>
+              <a:rPr lang="en-US" altLang="zh-CN" dirty="0"/>
+              <a:t>Co Occurrence</a:t>
+            </a:r>
+            <a:endParaRPr lang="zh-CN" altLang="en-US" dirty="0"/>
+          </a:p>
+        </p:txBody>
+      </p:sp>
+      <p:sp>
+        <p:nvSpPr>
+          <p:cNvPr id="3" name="内容占位符 2">
+            <a:extLst>
+              <a:ext uri="{FF2B5EF4-FFF2-40B4-BE49-F238E27FC236}">
+                <a16:creationId xmlns:a16="http://schemas.microsoft.com/office/drawing/2014/main" id="{A6CC3A6B-D68E-4ABF-8287-CD43473B10E5}"/>
+              </a:ext>
+            </a:extLst>
+          </p:cNvPr>
+          <p:cNvSpPr>
+            <a:spLocks noGrp="1"/>
+          </p:cNvSpPr>
+          <p:nvPr>
+            <p:ph sz="quarter" idx="1"/>
+          </p:nvPr>
+        </p:nvSpPr>
+        <p:spPr/>
+        <p:txBody>
+          <a:bodyPr/>
+          <a:lstStyle/>
+          <a:p>
+            <a:r>
+              <a:rPr lang="en-US" altLang="zh-CN" dirty="0"/>
+              <a:t>book1 book2 book3 book5 book6 book8 book2</a:t>
+            </a:r>
+          </a:p>
+          <a:p>
+            <a:r>
+              <a:rPr lang="en-US" altLang="zh-CN" dirty="0"/>
+              <a:t>book3 book4 book6 book8 book4 book3 book9</a:t>
+            </a:r>
+          </a:p>
+          <a:p>
+            <a:r>
+              <a:rPr lang="en-US" altLang="zh-CN" dirty="0"/>
+              <a:t>book2 book3 book4 book5 book6 book8 book7</a:t>
+            </a:r>
+            <a:endParaRPr lang="zh-CN" altLang="en-US" dirty="0"/>
+          </a:p>
+        </p:txBody>
+      </p:sp>
+    </p:spTree>
+    <p:extLst>
+      <p:ext uri="{BB962C8B-B14F-4D97-AF65-F5344CB8AC3E}">
+        <p14:creationId xmlns:p14="http://schemas.microsoft.com/office/powerpoint/2010/main" val="203919656"/>
+      </p:ext>
+    </p:extLst>
+  </p:cSld>
+  <p:clrMapOvr>
+    <a:masterClrMapping/>
+  </p:clrMapOvr>
+</p:sld>
+</file>
+
+<file path=ppt/slides/slide5.xml><?xml version="1.0" encoding="utf-8"?>
 <p:sld xmlns:a="http://schemas.openxmlformats.org/drawingml/2006/main" xmlns:r="http://schemas.openxmlformats.org/officeDocument/2006/relationships" xmlns:p="http://schemas.openxmlformats.org/presentationml/2006/main">
   <p:cSld>
     <p:spTree>
@@ -8195,7 +9104,7 @@
 </p:sld>
 </file>
 
-<file path=ppt/slides/slide4.xml><?xml version="1.0" encoding="utf-8"?>
+<file path=ppt/slides/slide6.xml><?xml version="1.0" encoding="utf-8"?>
 <p:sld xmlns:a="http://schemas.openxmlformats.org/drawingml/2006/main" xmlns:r="http://schemas.openxmlformats.org/officeDocument/2006/relationships" xmlns:p="http://schemas.openxmlformats.org/presentationml/2006/main">
   <p:cSld>
     <p:spTree>
@@ -8284,7 +9193,7 @@
 </p:sld>
 </file>
 
-<file path=ppt/slides/slide5.xml><?xml version="1.0" encoding="utf-8"?>
+<file path=ppt/slides/slide7.xml><?xml version="1.0" encoding="utf-8"?>
 <p:sld xmlns:a="http://schemas.openxmlformats.org/drawingml/2006/main" xmlns:r="http://schemas.openxmlformats.org/officeDocument/2006/relationships" xmlns:p="http://schemas.openxmlformats.org/presentationml/2006/main">
   <p:cSld>
     <p:spTree>
@@ -8373,7 +9282,7 @@
 </p:sld>
 </file>
 
-<file path=ppt/slides/slide6.xml><?xml version="1.0" encoding="utf-8"?>
+<file path=ppt/slides/slide8.xml><?xml version="1.0" encoding="utf-8"?>
 <p:sld xmlns:a="http://schemas.openxmlformats.org/drawingml/2006/main" xmlns:r="http://schemas.openxmlformats.org/officeDocument/2006/relationships" xmlns:p="http://schemas.openxmlformats.org/presentationml/2006/main">
   <p:cSld>
     <p:spTree>
@@ -8535,261 +9444,6 @@
 </p:sld>
 </file>
 
-<file path=ppt/slides/slide7.xml><?xml version="1.0" encoding="utf-8"?>
-<p:sld xmlns:a="http://schemas.openxmlformats.org/drawingml/2006/main" xmlns:r="http://schemas.openxmlformats.org/officeDocument/2006/relationships" xmlns:p="http://schemas.openxmlformats.org/presentationml/2006/main">
-  <p:cSld>
-    <p:spTree>
-      <p:nvGrpSpPr>
-        <p:cNvPr id="1" name=""/>
-        <p:cNvGrpSpPr/>
-        <p:nvPr/>
-      </p:nvGrpSpPr>
-      <p:grpSpPr>
-        <a:xfrm>
-          <a:off x="0" y="0"/>
-          <a:ext cx="0" cy="0"/>
-          <a:chOff x="0" y="0"/>
-          <a:chExt cx="0" cy="0"/>
-        </a:xfrm>
-      </p:grpSpPr>
-      <p:sp>
-        <p:nvSpPr>
-          <p:cNvPr id="2" name="标题 1">
-            <a:extLst>
-              <a:ext uri="{FF2B5EF4-FFF2-40B4-BE49-F238E27FC236}">
-                <a16:creationId xmlns:a16="http://schemas.microsoft.com/office/drawing/2014/main" id="{24111AFD-7B6A-4AF2-8B93-A991D390F39D}"/>
-              </a:ext>
-            </a:extLst>
-          </p:cNvPr>
-          <p:cNvSpPr>
-            <a:spLocks noGrp="1"/>
-          </p:cNvSpPr>
-          <p:nvPr>
-            <p:ph type="title"/>
-          </p:nvPr>
-        </p:nvSpPr>
-        <p:spPr/>
-        <p:txBody>
-          <a:bodyPr/>
-          <a:lstStyle/>
-          <a:p>
-            <a:r>
-              <a:rPr lang="en-US" altLang="zh-CN" dirty="0"/>
-              <a:t>Recommendation</a:t>
-            </a:r>
-            <a:endParaRPr lang="zh-CN" altLang="en-US" dirty="0"/>
-          </a:p>
-        </p:txBody>
-      </p:sp>
-      <p:sp>
-        <p:nvSpPr>
-          <p:cNvPr id="5" name="内容占位符 4">
-            <a:extLst>
-              <a:ext uri="{FF2B5EF4-FFF2-40B4-BE49-F238E27FC236}">
-                <a16:creationId xmlns:a16="http://schemas.microsoft.com/office/drawing/2014/main" id="{58FE4C34-A1F1-46EC-8E54-1DDBE49CF06A}"/>
-              </a:ext>
-            </a:extLst>
-          </p:cNvPr>
-          <p:cNvSpPr>
-            <a:spLocks noGrp="1"/>
-          </p:cNvSpPr>
-          <p:nvPr>
-            <p:ph sz="quarter" idx="1"/>
-          </p:nvPr>
-        </p:nvSpPr>
-        <p:spPr/>
-        <p:txBody>
-          <a:bodyPr/>
-          <a:lstStyle/>
-          <a:p>
-            <a:r>
-              <a:rPr lang="en-US" altLang="zh-CN" dirty="0"/>
-              <a:t>Get top m values from double[n]</a:t>
-            </a:r>
-          </a:p>
-          <a:p>
-            <a:pPr marL="0" indent="0">
-              <a:buNone/>
-            </a:pPr>
-            <a:r>
-              <a:rPr lang="en-US" altLang="zh-CN" dirty="0"/>
-              <a:t>Case m &lt;=3  </a:t>
-            </a:r>
-          </a:p>
-          <a:p>
-            <a:pPr marL="514350" indent="-514350">
-              <a:buFont typeface="+mj-lt"/>
-              <a:buAutoNum type="arabicPeriod"/>
-            </a:pPr>
-            <a:r>
-              <a:rPr lang="en-US" altLang="zh-CN" dirty="0"/>
-              <a:t>One Scan O(n)</a:t>
-            </a:r>
-          </a:p>
-          <a:p>
-            <a:pPr marL="0" indent="0">
-              <a:buNone/>
-            </a:pPr>
-            <a:r>
-              <a:rPr lang="en-US" altLang="zh-CN" dirty="0"/>
-              <a:t>Case m ~ n  </a:t>
-            </a:r>
-          </a:p>
-          <a:p>
-            <a:pPr marL="514350" indent="-514350">
-              <a:buFont typeface="+mj-lt"/>
-              <a:buAutoNum type="arabicPeriod"/>
-            </a:pPr>
-            <a:r>
-              <a:rPr lang="en-US" altLang="zh-CN" dirty="0"/>
-              <a:t>O(n*n)</a:t>
-            </a:r>
-            <a:r>
-              <a:rPr lang="zh-CN" altLang="en-US" dirty="0"/>
-              <a:t>   </a:t>
-            </a:r>
-            <a:endParaRPr lang="en-US" altLang="zh-CN" dirty="0"/>
-          </a:p>
-          <a:p>
-            <a:pPr marL="514350" indent="-514350">
-              <a:buFont typeface="+mj-lt"/>
-              <a:buAutoNum type="arabicPeriod"/>
-            </a:pPr>
-            <a:r>
-              <a:rPr lang="en-US" altLang="zh-CN" dirty="0"/>
-              <a:t>Heap Sort    O(</a:t>
-            </a:r>
-            <a:r>
-              <a:rPr lang="en-US" altLang="zh-CN" dirty="0" err="1"/>
-              <a:t>n+mlogn</a:t>
-            </a:r>
-            <a:r>
-              <a:rPr lang="en-US" altLang="zh-CN" dirty="0"/>
-              <a:t>)</a:t>
-            </a:r>
-          </a:p>
-          <a:p>
-            <a:pPr marL="0" indent="0">
-              <a:buNone/>
-            </a:pPr>
-            <a:r>
-              <a:rPr lang="en-US" altLang="zh-CN" dirty="0"/>
-              <a:t>Case n is huge</a:t>
-            </a:r>
-          </a:p>
-          <a:p>
-            <a:pPr marL="0" indent="0">
-              <a:buNone/>
-            </a:pPr>
-            <a:r>
-              <a:rPr lang="en-US" altLang="zh-CN" dirty="0"/>
-              <a:t>Map reduce to compute the matrix </a:t>
-            </a:r>
-          </a:p>
-        </p:txBody>
-      </p:sp>
-    </p:spTree>
-    <p:extLst>
-      <p:ext uri="{BB962C8B-B14F-4D97-AF65-F5344CB8AC3E}">
-        <p14:creationId xmlns:p14="http://schemas.microsoft.com/office/powerpoint/2010/main" val="3432353872"/>
-      </p:ext>
-    </p:extLst>
-  </p:cSld>
-  <p:clrMapOvr>
-    <a:masterClrMapping/>
-  </p:clrMapOvr>
-</p:sld>
-</file>
-
-<file path=ppt/slides/slide8.xml><?xml version="1.0" encoding="utf-8"?>
-<p:sld xmlns:a="http://schemas.openxmlformats.org/drawingml/2006/main" xmlns:r="http://schemas.openxmlformats.org/officeDocument/2006/relationships" xmlns:p="http://schemas.openxmlformats.org/presentationml/2006/main">
-  <p:cSld>
-    <p:spTree>
-      <p:nvGrpSpPr>
-        <p:cNvPr id="1" name=""/>
-        <p:cNvGrpSpPr/>
-        <p:nvPr/>
-      </p:nvGrpSpPr>
-      <p:grpSpPr>
-        <a:xfrm>
-          <a:off x="0" y="0"/>
-          <a:ext cx="0" cy="0"/>
-          <a:chOff x="0" y="0"/>
-          <a:chExt cx="0" cy="0"/>
-        </a:xfrm>
-      </p:grpSpPr>
-      <p:sp>
-        <p:nvSpPr>
-          <p:cNvPr id="2" name="标题 1">
-            <a:extLst>
-              <a:ext uri="{FF2B5EF4-FFF2-40B4-BE49-F238E27FC236}">
-                <a16:creationId xmlns:a16="http://schemas.microsoft.com/office/drawing/2014/main" id="{850F8FBA-47D6-404E-BFD3-9185C1C74744}"/>
-              </a:ext>
-            </a:extLst>
-          </p:cNvPr>
-          <p:cNvSpPr>
-            <a:spLocks noGrp="1"/>
-          </p:cNvSpPr>
-          <p:nvPr>
-            <p:ph type="title"/>
-          </p:nvPr>
-        </p:nvSpPr>
-        <p:spPr/>
-        <p:txBody>
-          <a:bodyPr/>
-          <a:lstStyle/>
-          <a:p>
-            <a:r>
-              <a:rPr lang="en-US" altLang="zh-CN" dirty="0"/>
-              <a:t>Recommendation: Observer</a:t>
-            </a:r>
-            <a:endParaRPr lang="zh-CN" altLang="en-US" dirty="0"/>
-          </a:p>
-        </p:txBody>
-      </p:sp>
-      <p:pic>
-        <p:nvPicPr>
-          <p:cNvPr id="4" name="图片 3">
-            <a:extLst>
-              <a:ext uri="{FF2B5EF4-FFF2-40B4-BE49-F238E27FC236}">
-                <a16:creationId xmlns:a16="http://schemas.microsoft.com/office/drawing/2014/main" id="{E2B99705-4F4A-427D-9116-CB6352BDC672}"/>
-              </a:ext>
-            </a:extLst>
-          </p:cNvPr>
-          <p:cNvPicPr>
-            <a:picLocks noChangeAspect="1"/>
-          </p:cNvPicPr>
-          <p:nvPr/>
-        </p:nvPicPr>
-        <p:blipFill>
-          <a:blip r:embed="rId2"/>
-          <a:stretch>
-            <a:fillRect/>
-          </a:stretch>
-        </p:blipFill>
-        <p:spPr>
-          <a:xfrm>
-            <a:off x="1447800" y="2032200"/>
-            <a:ext cx="6120225" cy="3149400"/>
-          </a:xfrm>
-          <a:prstGeom prst="rect">
-            <a:avLst/>
-          </a:prstGeom>
-        </p:spPr>
-      </p:pic>
-    </p:spTree>
-    <p:extLst>
-      <p:ext uri="{BB962C8B-B14F-4D97-AF65-F5344CB8AC3E}">
-        <p14:creationId xmlns:p14="http://schemas.microsoft.com/office/powerpoint/2010/main" val="590984189"/>
-      </p:ext>
-    </p:extLst>
-  </p:cSld>
-  <p:clrMapOvr>
-    <a:masterClrMapping/>
-  </p:clrMapOvr>
-</p:sld>
-</file>
-
 <file path=ppt/slides/slide9.xml><?xml version="1.0" encoding="utf-8"?>
 <p:sld xmlns:a="http://schemas.openxmlformats.org/drawingml/2006/main" xmlns:r="http://schemas.openxmlformats.org/officeDocument/2006/relationships" xmlns:p="http://schemas.openxmlformats.org/presentationml/2006/main">
   <p:cSld>
@@ -8812,7 +9466,7 @@
           <p:cNvPr id="2" name="标题 1">
             <a:extLst>
               <a:ext uri="{FF2B5EF4-FFF2-40B4-BE49-F238E27FC236}">
-                <a16:creationId xmlns:a16="http://schemas.microsoft.com/office/drawing/2014/main" id="{850F8FBA-47D6-404E-BFD3-9185C1C74744}"/>
+                <a16:creationId xmlns:a16="http://schemas.microsoft.com/office/drawing/2014/main" id="{24111AFD-7B6A-4AF2-8B93-A991D390F39D}"/>
               </a:ext>
             </a:extLst>
           </p:cNvPr>
@@ -8830,50 +9484,123 @@
           <a:p>
             <a:r>
               <a:rPr lang="en-US" altLang="zh-CN" dirty="0"/>
-              <a:t>Recommendation: </a:t>
-            </a:r>
-            <a:r>
-              <a:rPr lang="en-US" altLang="zh-CN" b="1" dirty="0"/>
-              <a:t>Template</a:t>
+              <a:t>Recommendation</a:t>
             </a:r>
             <a:endParaRPr lang="zh-CN" altLang="en-US" dirty="0"/>
           </a:p>
         </p:txBody>
       </p:sp>
-      <p:pic>
-        <p:nvPicPr>
-          <p:cNvPr id="5" name="图片 4">
+      <p:sp>
+        <p:nvSpPr>
+          <p:cNvPr id="5" name="内容占位符 4">
             <a:extLst>
               <a:ext uri="{FF2B5EF4-FFF2-40B4-BE49-F238E27FC236}">
-                <a16:creationId xmlns:a16="http://schemas.microsoft.com/office/drawing/2014/main" id="{B7ED893D-F5F2-4047-BB4A-8716F6176777}"/>
+                <a16:creationId xmlns:a16="http://schemas.microsoft.com/office/drawing/2014/main" id="{58FE4C34-A1F1-46EC-8E54-1DDBE49CF06A}"/>
               </a:ext>
             </a:extLst>
           </p:cNvPr>
-          <p:cNvPicPr>
-            <a:picLocks noChangeAspect="1"/>
-          </p:cNvPicPr>
-          <p:nvPr/>
-        </p:nvPicPr>
-        <p:blipFill>
-          <a:blip r:embed="rId2"/>
-          <a:stretch>
-            <a:fillRect/>
-          </a:stretch>
-        </p:blipFill>
-        <p:spPr>
-          <a:xfrm>
-            <a:off x="2286000" y="1905000"/>
-            <a:ext cx="4424701" cy="4183934"/>
-          </a:xfrm>
-          <a:prstGeom prst="rect">
-            <a:avLst/>
-          </a:prstGeom>
-        </p:spPr>
-      </p:pic>
+          <p:cNvSpPr>
+            <a:spLocks noGrp="1"/>
+          </p:cNvSpPr>
+          <p:nvPr>
+            <p:ph sz="quarter" idx="1"/>
+          </p:nvPr>
+        </p:nvSpPr>
+        <p:spPr/>
+        <p:txBody>
+          <a:bodyPr/>
+          <a:lstStyle/>
+          <a:p>
+            <a:r>
+              <a:rPr lang="en-US" altLang="zh-CN" dirty="0"/>
+              <a:t>Get top m values from double[n]</a:t>
+            </a:r>
+          </a:p>
+          <a:p>
+            <a:pPr marL="0" indent="0">
+              <a:buNone/>
+            </a:pPr>
+            <a:r>
+              <a:rPr lang="en-US" altLang="zh-CN" dirty="0"/>
+              <a:t>Case m &lt;=3  </a:t>
+            </a:r>
+          </a:p>
+          <a:p>
+            <a:pPr marL="514350" indent="-514350">
+              <a:buFont typeface="+mj-lt"/>
+              <a:buAutoNum type="arabicPeriod"/>
+            </a:pPr>
+            <a:r>
+              <a:rPr lang="en-US" altLang="zh-CN" dirty="0"/>
+              <a:t>One Scan O(n)</a:t>
+            </a:r>
+          </a:p>
+          <a:p>
+            <a:pPr marL="0" indent="0">
+              <a:buNone/>
+            </a:pPr>
+            <a:r>
+              <a:rPr lang="en-US" altLang="zh-CN" dirty="0"/>
+              <a:t>Case m ~ n  </a:t>
+            </a:r>
+          </a:p>
+          <a:p>
+            <a:pPr marL="514350" indent="-514350">
+              <a:buFont typeface="+mj-lt"/>
+              <a:buAutoNum type="arabicPeriod"/>
+            </a:pPr>
+            <a:r>
+              <a:rPr lang="en-US" altLang="zh-CN" dirty="0"/>
+              <a:t>O(n*n)</a:t>
+            </a:r>
+            <a:r>
+              <a:rPr lang="zh-CN" altLang="en-US" dirty="0"/>
+              <a:t>   </a:t>
+            </a:r>
+            <a:endParaRPr lang="en-US" altLang="zh-CN" dirty="0"/>
+          </a:p>
+          <a:p>
+            <a:pPr marL="514350" indent="-514350">
+              <a:buFont typeface="+mj-lt"/>
+              <a:buAutoNum type="arabicPeriod"/>
+            </a:pPr>
+            <a:r>
+              <a:rPr lang="en-US" altLang="zh-CN" dirty="0"/>
+              <a:t>Heap Sort    O(</a:t>
+            </a:r>
+            <a:r>
+              <a:rPr lang="en-US" altLang="zh-CN" dirty="0" err="1"/>
+              <a:t>n+mlogn</a:t>
+            </a:r>
+            <a:r>
+              <a:rPr lang="en-US" altLang="zh-CN" dirty="0"/>
+              <a:t>)</a:t>
+            </a:r>
+          </a:p>
+          <a:p>
+            <a:pPr marL="0" indent="0">
+              <a:buNone/>
+            </a:pPr>
+            <a:r>
+              <a:rPr lang="en-US" altLang="zh-CN" dirty="0"/>
+              <a:t>Case n is huge</a:t>
+            </a:r>
+          </a:p>
+          <a:p>
+            <a:pPr marL="0" indent="0">
+              <a:buNone/>
+            </a:pPr>
+            <a:r>
+              <a:rPr lang="en-US" altLang="zh-CN" dirty="0"/>
+              <a:t>Map reduce to compute the matrix </a:t>
+            </a:r>
+          </a:p>
+        </p:txBody>
+      </p:sp>
     </p:spTree>
     <p:extLst>
       <p:ext uri="{BB962C8B-B14F-4D97-AF65-F5344CB8AC3E}">
-        <p14:creationId xmlns:p14="http://schemas.microsoft.com/office/powerpoint/2010/main" val="480848210"/>
+        <p14:creationId xmlns:p14="http://schemas.microsoft.com/office/powerpoint/2010/main" val="3432353872"/>
       </p:ext>
     </p:extLst>
   </p:cSld>
